--- a/complete/double_hash.pptx
+++ b/complete/double_hash.pptx
@@ -9,9 +9,10 @@
     <p:sldId id="256" r:id="rId3"/>
     <p:sldId id="257" r:id="rId4"/>
     <p:sldId id="264" r:id="rId5"/>
-    <p:sldId id="265" r:id="rId6"/>
-    <p:sldId id="266" r:id="rId7"/>
-    <p:sldId id="259" r:id="rId8"/>
+    <p:sldId id="267" r:id="rId6"/>
+    <p:sldId id="265" r:id="rId7"/>
+    <p:sldId id="266" r:id="rId8"/>
+    <p:sldId id="259" r:id="rId9"/>
   </p:sldIdLst>
   <p:sldSz cx="12192000" cy="6858000"/>
   <p:notesSz cx="6858000" cy="9144000"/>
@@ -9201,11 +9202,7 @@
           <a:p>
             <a:r>
               <a:rPr lang="en-US" dirty="0" smtClean="0"/>
-              <a:t>Double </a:t>
-            </a:r>
-            <a:r>
-              <a:rPr lang="en-US" dirty="0" smtClean="0"/>
-              <a:t>Hashing</a:t>
+              <a:t>Double Hashing</a:t>
             </a:r>
             <a:endParaRPr lang="en-US" dirty="0"/>
           </a:p>
@@ -9341,7 +9338,15 @@
           <a:p>
             <a:r>
               <a:rPr lang="en-US" sz="2800" dirty="0"/>
-              <a:t>a collision resolving technique in </a:t>
+              <a:t>a collision </a:t>
+            </a:r>
+            <a:r>
+              <a:rPr lang="en-US" sz="2800" dirty="0" smtClean="0"/>
+              <a:t>resolving technique </a:t>
+            </a:r>
+            <a:r>
+              <a:rPr lang="en-US" sz="2800" dirty="0"/>
+              <a:t>in </a:t>
             </a:r>
             <a:r>
               <a:rPr lang="en-US" sz="2800" dirty="0" smtClean="0"/>
@@ -9355,6 +9360,13 @@
               <a:rPr lang="en-US" sz="2800" dirty="0" smtClean="0"/>
               <a:t>.</a:t>
             </a:r>
+          </a:p>
+          <a:p>
+            <a:r>
+              <a:rPr lang="en-US" sz="2800" dirty="0" smtClean="0"/>
+              <a:t>very efficient hashing technique.</a:t>
+            </a:r>
+            <a:endParaRPr lang="en-US" sz="2800" dirty="0" smtClean="0"/>
           </a:p>
           <a:p>
             <a:r>
@@ -9575,8 +9587,13 @@
             </a:r>
             <a:r>
               <a:rPr lang="en-US" sz="2800" dirty="0"/>
-              <a:t> where PRIME is a prime smaller than the TABLE_SIZE.</a:t>
-            </a:r>
+              <a:t> where PRIME is a prime smaller than the TABLE_SIZE</a:t>
+            </a:r>
+            <a:r>
+              <a:rPr lang="en-US" sz="2800" dirty="0" smtClean="0"/>
+              <a:t>.</a:t>
+            </a:r>
+            <a:endParaRPr lang="en-US" sz="2800" dirty="0"/>
           </a:p>
           <a:p>
             <a:r>
@@ -9624,6 +9641,391 @@
 </file>
 
 <file path=ppt/slides/slide4.xml><?xml version="1.0" encoding="utf-8"?>
+<p:sld xmlns:a="http://schemas.openxmlformats.org/drawingml/2006/main" xmlns:r="http://schemas.openxmlformats.org/officeDocument/2006/relationships" xmlns:p="http://schemas.openxmlformats.org/presentationml/2006/main">
+  <p:cSld>
+    <p:spTree>
+      <p:nvGrpSpPr>
+        <p:cNvPr id="1" name=""/>
+        <p:cNvGrpSpPr/>
+        <p:nvPr/>
+      </p:nvGrpSpPr>
+      <p:grpSpPr>
+        <a:xfrm>
+          <a:off x="0" y="0"/>
+          <a:ext cx="0" cy="0"/>
+          <a:chOff x="0" y="0"/>
+          <a:chExt cx="0" cy="0"/>
+        </a:xfrm>
+      </p:grpSpPr>
+      <p:sp>
+        <p:nvSpPr>
+          <p:cNvPr id="2" name="Title 1"/>
+          <p:cNvSpPr>
+            <a:spLocks noGrp="1"/>
+          </p:cNvSpPr>
+          <p:nvPr>
+            <p:ph type="title"/>
+          </p:nvPr>
+        </p:nvSpPr>
+        <p:spPr/>
+        <p:txBody>
+          <a:bodyPr/>
+          <a:lstStyle/>
+          <a:p>
+            <a:r>
+              <a:rPr lang="en-US" dirty="0" smtClean="0"/>
+              <a:t>Main Hash Function</a:t>
+            </a:r>
+            <a:endParaRPr lang="en-US" dirty="0"/>
+          </a:p>
+        </p:txBody>
+      </p:sp>
+      <p:sp>
+        <p:nvSpPr>
+          <p:cNvPr id="5" name="Rectangle 4"/>
+          <p:cNvSpPr/>
+          <p:nvPr/>
+        </p:nvSpPr>
+        <p:spPr bwMode="auto">
+          <a:xfrm>
+            <a:off x="605308" y="1899790"/>
+            <a:ext cx="10380372" cy="3631842"/>
+          </a:xfrm>
+          <a:prstGeom prst="rect">
+            <a:avLst/>
+          </a:prstGeom>
+          <a:solidFill>
+            <a:srgbClr val="A1E4ED"/>
+          </a:solidFill>
+          <a:ln w="9525" cap="flat" cmpd="sng" algn="ctr">
+            <a:solidFill>
+              <a:schemeClr val="tx1"/>
+            </a:solidFill>
+            <a:prstDash val="solid"/>
+            <a:round/>
+            <a:headEnd type="none" w="med" len="med"/>
+            <a:tailEnd type="none" w="med" len="med"/>
+          </a:ln>
+          <a:effectLst/>
+          <a:extLst/>
+        </p:spPr>
+        <p:txBody>
+          <a:bodyPr vert="horz" wrap="square" lIns="91440" tIns="45720" rIns="91440" bIns="45720" numCol="1" rtlCol="0" anchor="t" anchorCtr="0" compatLnSpc="1">
+            <a:prstTxWarp prst="textNoShape">
+              <a:avLst/>
+            </a:prstTxWarp>
+          </a:bodyPr>
+          <a:lstStyle/>
+          <a:p>
+            <a:pPr marL="0" marR="0" indent="0" algn="ctr" defTabSz="914400" rtl="0" eaLnBrk="1" fontAlgn="base" latinLnBrk="0" hangingPunct="1">
+              <a:lnSpc>
+                <a:spcPct val="100000"/>
+              </a:lnSpc>
+              <a:spcBef>
+                <a:spcPct val="0"/>
+              </a:spcBef>
+              <a:spcAft>
+                <a:spcPct val="0"/>
+              </a:spcAft>
+              <a:buClrTx/>
+              <a:buSzTx/>
+              <a:buFontTx/>
+              <a:buNone/>
+              <a:tabLst/>
+            </a:pPr>
+            <a:r>
+              <a:rPr lang="en-US" sz="3600" dirty="0" smtClean="0">
+                <a:solidFill>
+                  <a:schemeClr val="tx2"/>
+                </a:solidFill>
+                <a:latin typeface="Cambria" panose="02040503050406030204" pitchFamily="18" charset="0"/>
+                <a:ea typeface="Cambria" panose="02040503050406030204" pitchFamily="18" charset="0"/>
+              </a:rPr>
+              <a:t>[Hash1(key)+</a:t>
+            </a:r>
+            <a:r>
+              <a:rPr lang="en-US" sz="3600" dirty="0" err="1" smtClean="0">
+                <a:solidFill>
+                  <a:schemeClr val="tx2"/>
+                </a:solidFill>
+                <a:latin typeface="Cambria" panose="02040503050406030204" pitchFamily="18" charset="0"/>
+                <a:ea typeface="Cambria" panose="02040503050406030204" pitchFamily="18" charset="0"/>
+              </a:rPr>
+              <a:t>i</a:t>
+            </a:r>
+            <a:r>
+              <a:rPr lang="en-US" sz="3600" dirty="0" smtClean="0">
+                <a:solidFill>
+                  <a:schemeClr val="tx2"/>
+                </a:solidFill>
+                <a:latin typeface="Cambria" panose="02040503050406030204" pitchFamily="18" charset="0"/>
+                <a:ea typeface="Cambria" panose="02040503050406030204" pitchFamily="18" charset="0"/>
+              </a:rPr>
+              <a:t>*(Hash2(key)]%TABLE_SIZE</a:t>
+            </a:r>
+          </a:p>
+          <a:p>
+            <a:pPr marL="0" marR="0" indent="0" algn="ctr" defTabSz="914400" rtl="0" eaLnBrk="1" fontAlgn="base" latinLnBrk="0" hangingPunct="1">
+              <a:lnSpc>
+                <a:spcPct val="100000"/>
+              </a:lnSpc>
+              <a:spcBef>
+                <a:spcPct val="0"/>
+              </a:spcBef>
+              <a:spcAft>
+                <a:spcPct val="0"/>
+              </a:spcAft>
+              <a:buClrTx/>
+              <a:buSzTx/>
+              <a:buFontTx/>
+              <a:buNone/>
+              <a:tabLst/>
+            </a:pPr>
+            <a:endParaRPr lang="en-US" sz="3600" dirty="0" smtClean="0">
+              <a:solidFill>
+                <a:schemeClr val="tx2"/>
+              </a:solidFill>
+              <a:latin typeface="Cambria" panose="02040503050406030204" pitchFamily="18" charset="0"/>
+              <a:ea typeface="Cambria" panose="02040503050406030204" pitchFamily="18" charset="0"/>
+            </a:endParaRPr>
+          </a:p>
+          <a:p>
+            <a:pPr marL="0" marR="0" indent="0" algn="ctr" defTabSz="914400" rtl="0" eaLnBrk="1" fontAlgn="base" latinLnBrk="0" hangingPunct="1">
+              <a:lnSpc>
+                <a:spcPct val="100000"/>
+              </a:lnSpc>
+              <a:spcBef>
+                <a:spcPct val="0"/>
+              </a:spcBef>
+              <a:spcAft>
+                <a:spcPct val="0"/>
+              </a:spcAft>
+              <a:buClrTx/>
+              <a:buSzTx/>
+              <a:buFontTx/>
+              <a:buNone/>
+              <a:tabLst/>
+            </a:pPr>
+            <a:r>
+              <a:rPr kumimoji="0" lang="en-US" sz="3600" b="0" i="0" u="none" strike="noStrike" cap="none" normalizeH="0" baseline="0" dirty="0" smtClean="0">
+                <a:ln>
+                  <a:noFill/>
+                </a:ln>
+                <a:solidFill>
+                  <a:schemeClr val="tx2"/>
+                </a:solidFill>
+                <a:effectLst/>
+                <a:latin typeface="Cambria" panose="02040503050406030204" pitchFamily="18" charset="0"/>
+                <a:ea typeface="Cambria" panose="02040503050406030204" pitchFamily="18" charset="0"/>
+              </a:rPr>
+              <a:t>Where, </a:t>
+            </a:r>
+            <a:r>
+              <a:rPr kumimoji="0" lang="en-US" sz="3600" b="0" i="0" u="none" strike="noStrike" cap="none" normalizeH="0" baseline="0" dirty="0" err="1" smtClean="0">
+                <a:ln>
+                  <a:noFill/>
+                </a:ln>
+                <a:solidFill>
+                  <a:schemeClr val="tx2"/>
+                </a:solidFill>
+                <a:effectLst/>
+                <a:latin typeface="Cambria" panose="02040503050406030204" pitchFamily="18" charset="0"/>
+                <a:ea typeface="Cambria" panose="02040503050406030204" pitchFamily="18" charset="0"/>
+              </a:rPr>
+              <a:t>i</a:t>
+            </a:r>
+            <a:r>
+              <a:rPr kumimoji="0" lang="en-US" sz="3600" b="0" i="0" u="none" strike="noStrike" cap="none" normalizeH="0" dirty="0" smtClean="0">
+                <a:ln>
+                  <a:noFill/>
+                </a:ln>
+                <a:solidFill>
+                  <a:schemeClr val="tx2"/>
+                </a:solidFill>
+                <a:effectLst/>
+                <a:latin typeface="Cambria" panose="02040503050406030204" pitchFamily="18" charset="0"/>
+                <a:ea typeface="Cambria" panose="02040503050406030204" pitchFamily="18" charset="0"/>
+              </a:rPr>
+              <a:t> is no. of iteration, </a:t>
+            </a:r>
+            <a:r>
+              <a:rPr kumimoji="0" lang="en-US" sz="3600" b="0" i="0" u="none" strike="noStrike" cap="none" normalizeH="0" dirty="0" err="1" smtClean="0">
+                <a:ln>
+                  <a:noFill/>
+                </a:ln>
+                <a:solidFill>
+                  <a:schemeClr val="tx2"/>
+                </a:solidFill>
+                <a:effectLst/>
+                <a:latin typeface="Cambria" panose="02040503050406030204" pitchFamily="18" charset="0"/>
+                <a:ea typeface="Cambria" panose="02040503050406030204" pitchFamily="18" charset="0"/>
+              </a:rPr>
+              <a:t>i</a:t>
+            </a:r>
+            <a:r>
+              <a:rPr kumimoji="0" lang="en-US" sz="3600" b="0" i="0" u="none" strike="noStrike" cap="none" normalizeH="0" dirty="0" smtClean="0">
+                <a:ln>
+                  <a:noFill/>
+                </a:ln>
+                <a:solidFill>
+                  <a:schemeClr val="tx2"/>
+                </a:solidFill>
+                <a:effectLst/>
+                <a:latin typeface="Cambria" panose="02040503050406030204" pitchFamily="18" charset="0"/>
+                <a:ea typeface="Cambria" panose="02040503050406030204" pitchFamily="18" charset="0"/>
+              </a:rPr>
+              <a:t>=0 at first</a:t>
+            </a:r>
+          </a:p>
+          <a:p>
+            <a:pPr algn="ctr" fontAlgn="base">
+              <a:spcBef>
+                <a:spcPct val="0"/>
+              </a:spcBef>
+              <a:spcAft>
+                <a:spcPct val="0"/>
+              </a:spcAft>
+            </a:pPr>
+            <a:r>
+              <a:rPr lang="en-US" sz="3600" baseline="0" dirty="0" smtClean="0">
+                <a:solidFill>
+                  <a:schemeClr val="tx2"/>
+                </a:solidFill>
+                <a:latin typeface="Cambria" panose="02040503050406030204" pitchFamily="18" charset="0"/>
+                <a:ea typeface="Cambria" panose="02040503050406030204" pitchFamily="18" charset="0"/>
+              </a:rPr>
+              <a:t>Hash1(key) is the linear</a:t>
+            </a:r>
+            <a:r>
+              <a:rPr lang="en-US" sz="3600" dirty="0" smtClean="0">
+                <a:solidFill>
+                  <a:schemeClr val="tx2"/>
+                </a:solidFill>
+                <a:latin typeface="Cambria" panose="02040503050406030204" pitchFamily="18" charset="0"/>
+                <a:ea typeface="Cambria" panose="02040503050406030204" pitchFamily="18" charset="0"/>
+              </a:rPr>
+              <a:t> probing </a:t>
+            </a:r>
+            <a:r>
+              <a:rPr lang="en-US" sz="3600" dirty="0">
+                <a:solidFill>
+                  <a:schemeClr val="tx2"/>
+                </a:solidFill>
+                <a:latin typeface="Cambria" panose="02040503050406030204" pitchFamily="18" charset="0"/>
+                <a:ea typeface="Cambria" panose="02040503050406030204" pitchFamily="18" charset="0"/>
+              </a:rPr>
+              <a:t>function</a:t>
+            </a:r>
+            <a:r>
+              <a:rPr lang="en-US" sz="3600" dirty="0" smtClean="0">
+                <a:solidFill>
+                  <a:schemeClr val="tx2"/>
+                </a:solidFill>
+                <a:latin typeface="Cambria" panose="02040503050406030204" pitchFamily="18" charset="0"/>
+                <a:ea typeface="Cambria" panose="02040503050406030204" pitchFamily="18" charset="0"/>
+              </a:rPr>
+              <a:t>.</a:t>
+            </a:r>
+            <a:endParaRPr lang="en-US" sz="3600" dirty="0">
+              <a:solidFill>
+                <a:schemeClr val="tx2"/>
+              </a:solidFill>
+              <a:latin typeface="Cambria" panose="02040503050406030204" pitchFamily="18" charset="0"/>
+              <a:ea typeface="Cambria" panose="02040503050406030204" pitchFamily="18" charset="0"/>
+            </a:endParaRPr>
+          </a:p>
+          <a:p>
+            <a:pPr algn="ctr" fontAlgn="base">
+              <a:spcBef>
+                <a:spcPct val="0"/>
+              </a:spcBef>
+              <a:spcAft>
+                <a:spcPct val="0"/>
+              </a:spcAft>
+            </a:pPr>
+            <a:r>
+              <a:rPr lang="en-US" sz="3600" dirty="0" smtClean="0">
+                <a:solidFill>
+                  <a:schemeClr val="tx2"/>
+                </a:solidFill>
+                <a:latin typeface="Cambria" panose="02040503050406030204" pitchFamily="18" charset="0"/>
+                <a:ea typeface="Cambria" panose="02040503050406030204" pitchFamily="18" charset="0"/>
+              </a:rPr>
+              <a:t>Hash2(key</a:t>
+            </a:r>
+            <a:r>
+              <a:rPr lang="en-US" sz="3600" dirty="0">
+                <a:solidFill>
+                  <a:schemeClr val="tx2"/>
+                </a:solidFill>
+                <a:latin typeface="Cambria" panose="02040503050406030204" pitchFamily="18" charset="0"/>
+                <a:ea typeface="Cambria" panose="02040503050406030204" pitchFamily="18" charset="0"/>
+              </a:rPr>
+              <a:t>) is the </a:t>
+            </a:r>
+            <a:r>
+              <a:rPr lang="en-US" sz="3600" dirty="0" smtClean="0">
+                <a:solidFill>
+                  <a:schemeClr val="tx2"/>
+                </a:solidFill>
+                <a:latin typeface="Cambria" panose="02040503050406030204" pitchFamily="18" charset="0"/>
+                <a:ea typeface="Cambria" panose="02040503050406030204" pitchFamily="18" charset="0"/>
+              </a:rPr>
+              <a:t>new double hash function.</a:t>
+            </a:r>
+            <a:endParaRPr lang="en-US" sz="3600" dirty="0">
+              <a:solidFill>
+                <a:schemeClr val="tx2"/>
+              </a:solidFill>
+              <a:latin typeface="Cambria" panose="02040503050406030204" pitchFamily="18" charset="0"/>
+              <a:ea typeface="Cambria" panose="02040503050406030204" pitchFamily="18" charset="0"/>
+            </a:endParaRPr>
+          </a:p>
+          <a:p>
+            <a:pPr marL="0" marR="0" indent="0" algn="ctr" defTabSz="914400" rtl="0" eaLnBrk="1" fontAlgn="base" latinLnBrk="0" hangingPunct="1">
+              <a:lnSpc>
+                <a:spcPct val="100000"/>
+              </a:lnSpc>
+              <a:spcBef>
+                <a:spcPct val="0"/>
+              </a:spcBef>
+              <a:spcAft>
+                <a:spcPct val="0"/>
+              </a:spcAft>
+              <a:buClrTx/>
+              <a:buSzTx/>
+              <a:buFontTx/>
+              <a:buNone/>
+              <a:tabLst/>
+            </a:pPr>
+            <a:endParaRPr kumimoji="0" lang="en-US" sz="3600" b="0" i="0" u="none" strike="noStrike" cap="none" normalizeH="0" baseline="0" dirty="0" smtClean="0">
+              <a:ln>
+                <a:noFill/>
+              </a:ln>
+              <a:solidFill>
+                <a:schemeClr val="tx2"/>
+              </a:solidFill>
+              <a:effectLst/>
+              <a:latin typeface="Cambria" panose="02040503050406030204" pitchFamily="18" charset="0"/>
+              <a:ea typeface="Cambria" panose="02040503050406030204" pitchFamily="18" charset="0"/>
+            </a:endParaRPr>
+          </a:p>
+        </p:txBody>
+      </p:sp>
+    </p:spTree>
+    <p:extLst>
+      <p:ext uri="{BB962C8B-B14F-4D97-AF65-F5344CB8AC3E}">
+        <p14:creationId xmlns:p14="http://schemas.microsoft.com/office/powerpoint/2010/main" val="3994032291"/>
+      </p:ext>
+    </p:extLst>
+  </p:cSld>
+  <p:clrMapOvr>
+    <a:masterClrMapping/>
+  </p:clrMapOvr>
+</p:sld>
+</file>
+
+<file path=ppt/slides/slide5.xml><?xml version="1.0" encoding="utf-8"?>
 <p:sld xmlns:a="http://schemas.openxmlformats.org/drawingml/2006/main" xmlns:r="http://schemas.openxmlformats.org/officeDocument/2006/relationships" xmlns:p="http://schemas.openxmlformats.org/presentationml/2006/main">
   <p:cSld>
     <p:spTree>
@@ -9713,7 +10115,7 @@
 </p:sld>
 </file>
 
-<file path=ppt/slides/slide5.xml><?xml version="1.0" encoding="utf-8"?>
+<file path=ppt/slides/slide6.xml><?xml version="1.0" encoding="utf-8"?>
 <p:sld xmlns:a="http://schemas.openxmlformats.org/drawingml/2006/main" xmlns:r="http://schemas.openxmlformats.org/officeDocument/2006/relationships" xmlns:p="http://schemas.openxmlformats.org/presentationml/2006/main">
   <p:cSld>
     <p:spTree>
@@ -9796,7 +10198,7 @@
 </p:sld>
 </file>
 
-<file path=ppt/slides/slide6.xml><?xml version="1.0" encoding="utf-8"?>
+<file path=ppt/slides/slide7.xml><?xml version="1.0" encoding="utf-8"?>
 <p:sld xmlns:a="http://schemas.openxmlformats.org/drawingml/2006/main" xmlns:r="http://schemas.openxmlformats.org/officeDocument/2006/relationships" xmlns:p="http://schemas.openxmlformats.org/presentationml/2006/main">
   <p:cSld>
     <p:spTree>
